--- a/images/research-questions.pptx
+++ b/images/research-questions.pptx
@@ -197,7 +197,7 @@
           <a:p>
             <a:fld id="{100ED05C-71D3-764E-A828-6A477128AC85}" type="datetimeFigureOut">
               <a:rPr lang="en-US" smtClean="0"/>
-              <a:t>6/25/22</a:t>
+              <a:t>6/28/22</a:t>
             </a:fld>
             <a:endParaRPr lang="en-US"/>
           </a:p>
@@ -611,7 +611,7 @@
           <a:p>
             <a:fld id="{AC2DA135-C281-A445-BCE4-7A84076579A3}" type="datetimeFigureOut">
               <a:rPr lang="en-US" smtClean="0"/>
-              <a:t>6/25/22</a:t>
+              <a:t>6/28/22</a:t>
             </a:fld>
             <a:endParaRPr lang="en-US"/>
           </a:p>
@@ -809,7 +809,7 @@
           <a:p>
             <a:fld id="{AC2DA135-C281-A445-BCE4-7A84076579A3}" type="datetimeFigureOut">
               <a:rPr lang="en-US" smtClean="0"/>
-              <a:t>6/25/22</a:t>
+              <a:t>6/28/22</a:t>
             </a:fld>
             <a:endParaRPr lang="en-US"/>
           </a:p>
@@ -1017,7 +1017,7 @@
           <a:p>
             <a:fld id="{AC2DA135-C281-A445-BCE4-7A84076579A3}" type="datetimeFigureOut">
               <a:rPr lang="en-US" smtClean="0"/>
-              <a:t>6/25/22</a:t>
+              <a:t>6/28/22</a:t>
             </a:fld>
             <a:endParaRPr lang="en-US"/>
           </a:p>
@@ -1215,7 +1215,7 @@
           <a:p>
             <a:fld id="{AC2DA135-C281-A445-BCE4-7A84076579A3}" type="datetimeFigureOut">
               <a:rPr lang="en-US" smtClean="0"/>
-              <a:t>6/25/22</a:t>
+              <a:t>6/28/22</a:t>
             </a:fld>
             <a:endParaRPr lang="en-US"/>
           </a:p>
@@ -1490,7 +1490,7 @@
           <a:p>
             <a:fld id="{AC2DA135-C281-A445-BCE4-7A84076579A3}" type="datetimeFigureOut">
               <a:rPr lang="en-US" smtClean="0"/>
-              <a:t>6/25/22</a:t>
+              <a:t>6/28/22</a:t>
             </a:fld>
             <a:endParaRPr lang="en-US"/>
           </a:p>
@@ -1755,7 +1755,7 @@
           <a:p>
             <a:fld id="{AC2DA135-C281-A445-BCE4-7A84076579A3}" type="datetimeFigureOut">
               <a:rPr lang="en-US" smtClean="0"/>
-              <a:t>6/25/22</a:t>
+              <a:t>6/28/22</a:t>
             </a:fld>
             <a:endParaRPr lang="en-US"/>
           </a:p>
@@ -2167,7 +2167,7 @@
           <a:p>
             <a:fld id="{AC2DA135-C281-A445-BCE4-7A84076579A3}" type="datetimeFigureOut">
               <a:rPr lang="en-US" smtClean="0"/>
-              <a:t>6/25/22</a:t>
+              <a:t>6/28/22</a:t>
             </a:fld>
             <a:endParaRPr lang="en-US"/>
           </a:p>
@@ -2308,7 +2308,7 @@
           <a:p>
             <a:fld id="{AC2DA135-C281-A445-BCE4-7A84076579A3}" type="datetimeFigureOut">
               <a:rPr lang="en-US" smtClean="0"/>
-              <a:t>6/25/22</a:t>
+              <a:t>6/28/22</a:t>
             </a:fld>
             <a:endParaRPr lang="en-US"/>
           </a:p>
@@ -2421,7 +2421,7 @@
           <a:p>
             <a:fld id="{AC2DA135-C281-A445-BCE4-7A84076579A3}" type="datetimeFigureOut">
               <a:rPr lang="en-US" smtClean="0"/>
-              <a:t>6/25/22</a:t>
+              <a:t>6/28/22</a:t>
             </a:fld>
             <a:endParaRPr lang="en-US"/>
           </a:p>
@@ -2732,7 +2732,7 @@
           <a:p>
             <a:fld id="{AC2DA135-C281-A445-BCE4-7A84076579A3}" type="datetimeFigureOut">
               <a:rPr lang="en-US" smtClean="0"/>
-              <a:t>6/25/22</a:t>
+              <a:t>6/28/22</a:t>
             </a:fld>
             <a:endParaRPr lang="en-US"/>
           </a:p>
@@ -3020,7 +3020,7 @@
           <a:p>
             <a:fld id="{AC2DA135-C281-A445-BCE4-7A84076579A3}" type="datetimeFigureOut">
               <a:rPr lang="en-US" smtClean="0"/>
-              <a:t>6/25/22</a:t>
+              <a:t>6/28/22</a:t>
             </a:fld>
             <a:endParaRPr lang="en-US"/>
           </a:p>
@@ -3261,7 +3261,7 @@
           <a:p>
             <a:fld id="{AC2DA135-C281-A445-BCE4-7A84076579A3}" type="datetimeFigureOut">
               <a:rPr lang="en-US" smtClean="0"/>
-              <a:t>6/25/22</a:t>
+              <a:t>6/28/22</a:t>
             </a:fld>
             <a:endParaRPr lang="en-US"/>
           </a:p>
@@ -3692,7 +3692,7 @@
         </p:nvSpPr>
         <p:spPr>
           <a:xfrm>
-            <a:off x="437849" y="996578"/>
+            <a:off x="437849" y="187294"/>
             <a:ext cx="3212290" cy="369332"/>
           </a:xfrm>
           <a:prstGeom prst="rect">
@@ -3735,7 +3735,7 @@
         </p:nvSpPr>
         <p:spPr>
           <a:xfrm>
-            <a:off x="5745207" y="959569"/>
+            <a:off x="5745207" y="150285"/>
             <a:ext cx="1460336" cy="369332"/>
           </a:xfrm>
           <a:prstGeom prst="rect">
@@ -3770,7 +3770,7 @@
         </p:nvSpPr>
         <p:spPr>
           <a:xfrm>
-            <a:off x="10183321" y="959569"/>
+            <a:off x="10183321" y="150285"/>
             <a:ext cx="1104982" cy="369332"/>
           </a:xfrm>
           <a:prstGeom prst="rect">
@@ -3805,7 +3805,7 @@
         </p:nvSpPr>
         <p:spPr>
           <a:xfrm>
-            <a:off x="7930171" y="959569"/>
+            <a:off x="7930171" y="150285"/>
             <a:ext cx="1210331" cy="369332"/>
           </a:xfrm>
           <a:prstGeom prst="rect">
@@ -3840,7 +3840,7 @@
         </p:nvSpPr>
         <p:spPr>
           <a:xfrm>
-            <a:off x="4362169" y="1703406"/>
+            <a:off x="4362169" y="894122"/>
             <a:ext cx="1158715" cy="369332"/>
           </a:xfrm>
           <a:prstGeom prst="rect">
@@ -3875,7 +3875,7 @@
         </p:nvSpPr>
         <p:spPr>
           <a:xfrm>
-            <a:off x="3779510" y="2072738"/>
+            <a:off x="3779510" y="1263454"/>
             <a:ext cx="1741374" cy="369332"/>
           </a:xfrm>
           <a:prstGeom prst="rect">
@@ -3910,7 +3910,7 @@
         </p:nvSpPr>
         <p:spPr>
           <a:xfrm>
-            <a:off x="3624345" y="2454699"/>
+            <a:off x="3624345" y="1645415"/>
             <a:ext cx="1906291" cy="369332"/>
           </a:xfrm>
           <a:prstGeom prst="rect">
@@ -3945,7 +3945,7 @@
         </p:nvSpPr>
         <p:spPr>
           <a:xfrm>
-            <a:off x="4469378" y="2876801"/>
+            <a:off x="4469378" y="2067517"/>
             <a:ext cx="1051506" cy="369332"/>
           </a:xfrm>
           <a:prstGeom prst="rect">
@@ -3980,7 +3980,7 @@
         </p:nvSpPr>
         <p:spPr>
           <a:xfrm>
-            <a:off x="536324" y="1703406"/>
+            <a:off x="536324" y="894122"/>
             <a:ext cx="1767279" cy="369332"/>
           </a:xfrm>
           <a:prstGeom prst="rect">
@@ -4015,7 +4015,7 @@
         </p:nvSpPr>
         <p:spPr>
           <a:xfrm>
-            <a:off x="536324" y="3755474"/>
+            <a:off x="536324" y="2946190"/>
             <a:ext cx="1407821" cy="369332"/>
           </a:xfrm>
           <a:prstGeom prst="rect">
@@ -4054,7 +4054,7 @@
         </p:nvSpPr>
         <p:spPr>
           <a:xfrm>
-            <a:off x="3909994" y="3755474"/>
+            <a:off x="3909994" y="2946190"/>
             <a:ext cx="1610890" cy="369332"/>
           </a:xfrm>
           <a:prstGeom prst="rect">
@@ -4089,7 +4089,7 @@
         </p:nvSpPr>
         <p:spPr>
           <a:xfrm>
-            <a:off x="2575462" y="4223981"/>
+            <a:off x="2575462" y="3414697"/>
             <a:ext cx="2945422" cy="646331"/>
           </a:xfrm>
           <a:prstGeom prst="rect">
@@ -4139,7 +4139,7 @@
         </p:nvSpPr>
         <p:spPr>
           <a:xfrm>
-            <a:off x="2866213" y="4969487"/>
+            <a:off x="2866213" y="4160203"/>
             <a:ext cx="2556854" cy="646331"/>
           </a:xfrm>
           <a:prstGeom prst="rect">
@@ -4180,7 +4180,7 @@
         </p:nvSpPr>
         <p:spPr>
           <a:xfrm>
-            <a:off x="3135334" y="5725425"/>
+            <a:off x="3135334" y="4916141"/>
             <a:ext cx="2293320" cy="646331"/>
           </a:xfrm>
           <a:prstGeom prst="rect">
@@ -4235,7 +4235,7 @@
         </p:blipFill>
         <p:spPr>
           <a:xfrm>
-            <a:off x="6106043" y="2819396"/>
+            <a:off x="6106043" y="2010112"/>
             <a:ext cx="369332" cy="369332"/>
           </a:xfrm>
           <a:prstGeom prst="rect">
@@ -4271,7 +4271,7 @@
         </p:blipFill>
         <p:spPr>
           <a:xfrm>
-            <a:off x="6160724" y="1679868"/>
+            <a:off x="6160724" y="870584"/>
             <a:ext cx="369332" cy="369332"/>
           </a:xfrm>
           <a:prstGeom prst="rect">
@@ -4307,7 +4307,7 @@
         </p:blipFill>
         <p:spPr>
           <a:xfrm>
-            <a:off x="8350670" y="2021490"/>
+            <a:off x="8350670" y="1212206"/>
             <a:ext cx="369332" cy="369332"/>
           </a:xfrm>
           <a:prstGeom prst="rect">
@@ -4343,7 +4343,7 @@
         </p:blipFill>
         <p:spPr>
           <a:xfrm>
-            <a:off x="6114603" y="2450064"/>
+            <a:off x="6114603" y="1640780"/>
             <a:ext cx="369332" cy="369332"/>
           </a:xfrm>
           <a:prstGeom prst="rect">
@@ -4379,7 +4379,7 @@
         </p:blipFill>
         <p:spPr>
           <a:xfrm>
-            <a:off x="8350670" y="2793671"/>
+            <a:off x="8350670" y="1984387"/>
             <a:ext cx="369332" cy="369332"/>
           </a:xfrm>
           <a:prstGeom prst="rect">
@@ -4415,7 +4415,7 @@
         </p:blipFill>
         <p:spPr>
           <a:xfrm>
-            <a:off x="6106043" y="3747479"/>
+            <a:off x="6106043" y="2938195"/>
             <a:ext cx="369332" cy="369332"/>
           </a:xfrm>
           <a:prstGeom prst="rect">
@@ -4451,7 +4451,7 @@
         </p:blipFill>
         <p:spPr>
           <a:xfrm>
-            <a:off x="8350670" y="4179817"/>
+            <a:off x="8350670" y="3370533"/>
             <a:ext cx="369332" cy="369332"/>
           </a:xfrm>
           <a:prstGeom prst="rect">
@@ -4487,7 +4487,7 @@
         </p:blipFill>
         <p:spPr>
           <a:xfrm>
-            <a:off x="10551146" y="4116811"/>
+            <a:off x="10551146" y="3307527"/>
             <a:ext cx="369332" cy="369332"/>
           </a:xfrm>
           <a:prstGeom prst="rect">
@@ -4523,7 +4523,7 @@
         </p:blipFill>
         <p:spPr>
           <a:xfrm>
-            <a:off x="6106043" y="5107986"/>
+            <a:off x="6106043" y="4298702"/>
             <a:ext cx="369332" cy="369332"/>
           </a:xfrm>
           <a:prstGeom prst="rect">
@@ -4559,7 +4559,7 @@
         </p:blipFill>
         <p:spPr>
           <a:xfrm>
-            <a:off x="8350670" y="5107986"/>
+            <a:off x="8350670" y="4298702"/>
             <a:ext cx="369332" cy="369332"/>
           </a:xfrm>
           <a:prstGeom prst="rect">
@@ -4595,7 +4595,7 @@
         </p:blipFill>
         <p:spPr>
           <a:xfrm>
-            <a:off x="10595297" y="5013053"/>
+            <a:off x="10595297" y="4203769"/>
             <a:ext cx="369332" cy="369332"/>
           </a:xfrm>
           <a:prstGeom prst="rect">
@@ -4631,7 +4631,7 @@
         </p:blipFill>
         <p:spPr>
           <a:xfrm>
-            <a:off x="6092188" y="5863924"/>
+            <a:off x="6092188" y="5054640"/>
             <a:ext cx="369332" cy="369332"/>
           </a:xfrm>
           <a:prstGeom prst="rect">
@@ -4667,7 +4667,7 @@
         </p:blipFill>
         <p:spPr>
           <a:xfrm>
-            <a:off x="8350670" y="5725425"/>
+            <a:off x="8350670" y="4916141"/>
             <a:ext cx="369332" cy="369332"/>
           </a:xfrm>
           <a:prstGeom prst="rect">
@@ -4703,7 +4703,7 @@
         </p:blipFill>
         <p:spPr>
           <a:xfrm>
-            <a:off x="10556440" y="5895862"/>
+            <a:off x="10556440" y="5086578"/>
             <a:ext cx="369332" cy="369332"/>
           </a:xfrm>
           <a:prstGeom prst="rect">
@@ -4725,7 +4725,7 @@
         </p:nvCxnSpPr>
         <p:spPr>
           <a:xfrm>
-            <a:off x="536324" y="1481959"/>
+            <a:off x="536324" y="672675"/>
             <a:ext cx="10751979" cy="0"/>
           </a:xfrm>
           <a:prstGeom prst="line">
@@ -4752,6 +4752,148 @@
           </a:fontRef>
         </p:style>
       </p:cxnSp>
+      <p:sp>
+        <p:nvSpPr>
+          <p:cNvPr id="32" name="TextBox 31">
+            <a:extLst>
+              <a:ext uri="{FF2B5EF4-FFF2-40B4-BE49-F238E27FC236}">
+                <a16:creationId xmlns:a16="http://schemas.microsoft.com/office/drawing/2014/main" id="{9EA53819-126A-F2FB-69EE-B58BFB041E43}"/>
+              </a:ext>
+            </a:extLst>
+          </p:cNvPr>
+          <p:cNvSpPr txBox="1"/>
+          <p:nvPr/>
+        </p:nvSpPr>
+        <p:spPr>
+          <a:xfrm>
+            <a:off x="3394627" y="5672079"/>
+            <a:ext cx="2028440" cy="369332"/>
+          </a:xfrm>
+          <a:prstGeom prst="rect">
+            <a:avLst/>
+          </a:prstGeom>
+          <a:noFill/>
+        </p:spPr>
+        <p:txBody>
+          <a:bodyPr wrap="none" rtlCol="0">
+            <a:spAutoFit/>
+          </a:bodyPr>
+          <a:lstStyle/>
+          <a:p>
+            <a:r>
+              <a:rPr lang="en-US" dirty="0"/>
+              <a:t>Useful for advisors?</a:t>
+            </a:r>
+          </a:p>
+        </p:txBody>
+      </p:sp>
+      <p:sp>
+        <p:nvSpPr>
+          <p:cNvPr id="34" name="TextBox 33">
+            <a:extLst>
+              <a:ext uri="{FF2B5EF4-FFF2-40B4-BE49-F238E27FC236}">
+                <a16:creationId xmlns:a16="http://schemas.microsoft.com/office/drawing/2014/main" id="{7D94AF81-D2FE-13A9-B842-90446621DC36}"/>
+              </a:ext>
+            </a:extLst>
+          </p:cNvPr>
+          <p:cNvSpPr txBox="1"/>
+          <p:nvPr/>
+        </p:nvSpPr>
+        <p:spPr>
+          <a:xfrm>
+            <a:off x="3513938" y="6112561"/>
+            <a:ext cx="1891672" cy="369332"/>
+          </a:xfrm>
+          <a:prstGeom prst="rect">
+            <a:avLst/>
+          </a:prstGeom>
+          <a:noFill/>
+        </p:spPr>
+        <p:txBody>
+          <a:bodyPr wrap="none" rtlCol="0">
+            <a:spAutoFit/>
+          </a:bodyPr>
+          <a:lstStyle/>
+          <a:p>
+            <a:r>
+              <a:rPr lang="en-US" dirty="0"/>
+              <a:t>Useful for faculty?</a:t>
+            </a:r>
+          </a:p>
+        </p:txBody>
+      </p:sp>
+      <p:pic>
+        <p:nvPicPr>
+          <p:cNvPr id="35" name="Graphic 34" descr="Checkmark with solid fill">
+            <a:extLst>
+              <a:ext uri="{FF2B5EF4-FFF2-40B4-BE49-F238E27FC236}">
+                <a16:creationId xmlns:a16="http://schemas.microsoft.com/office/drawing/2014/main" id="{4130E0A2-B7C7-D5A7-F0FA-6466FA68EA59}"/>
+              </a:ext>
+            </a:extLst>
+          </p:cNvPr>
+          <p:cNvPicPr>
+            <a:picLocks noChangeAspect="1"/>
+          </p:cNvPicPr>
+          <p:nvPr/>
+        </p:nvPicPr>
+        <p:blipFill>
+          <a:blip r:embed="rId2">
+            <a:extLst>
+              <a:ext uri="{96DAC541-7B7A-43D3-8B79-37D633B846F1}">
+                <asvg:svgBlip xmlns:asvg="http://schemas.microsoft.com/office/drawing/2016/SVG/main" r:embed="rId3"/>
+              </a:ext>
+            </a:extLst>
+          </a:blip>
+          <a:stretch>
+            <a:fillRect/>
+          </a:stretch>
+        </p:blipFill>
+        <p:spPr>
+          <a:xfrm>
+            <a:off x="6092188" y="5659209"/>
+            <a:ext cx="369332" cy="369332"/>
+          </a:xfrm>
+          <a:prstGeom prst="rect">
+            <a:avLst/>
+          </a:prstGeom>
+        </p:spPr>
+      </p:pic>
+      <p:pic>
+        <p:nvPicPr>
+          <p:cNvPr id="36" name="Graphic 35" descr="Checkmark with solid fill">
+            <a:extLst>
+              <a:ext uri="{FF2B5EF4-FFF2-40B4-BE49-F238E27FC236}">
+                <a16:creationId xmlns:a16="http://schemas.microsoft.com/office/drawing/2014/main" id="{F88306AF-C101-A6AF-D891-F897D472810C}"/>
+              </a:ext>
+            </a:extLst>
+          </p:cNvPr>
+          <p:cNvPicPr>
+            <a:picLocks noChangeAspect="1"/>
+          </p:cNvPicPr>
+          <p:nvPr/>
+        </p:nvPicPr>
+        <p:blipFill>
+          <a:blip r:embed="rId2">
+            <a:extLst>
+              <a:ext uri="{96DAC541-7B7A-43D3-8B79-37D633B846F1}">
+                <asvg:svgBlip xmlns:asvg="http://schemas.microsoft.com/office/drawing/2016/SVG/main" r:embed="rId3"/>
+              </a:ext>
+            </a:extLst>
+          </a:blip>
+          <a:stretch>
+            <a:fillRect/>
+          </a:stretch>
+        </p:blipFill>
+        <p:spPr>
+          <a:xfrm>
+            <a:off x="6106043" y="6112561"/>
+            <a:ext cx="369332" cy="369332"/>
+          </a:xfrm>
+          <a:prstGeom prst="rect">
+            <a:avLst/>
+          </a:prstGeom>
+        </p:spPr>
+      </p:pic>
     </p:spTree>
     <p:extLst>
       <p:ext uri="{BB962C8B-B14F-4D97-AF65-F5344CB8AC3E}">

--- a/images/research-questions.pptx
+++ b/images/research-questions.pptx
@@ -197,7 +197,7 @@
           <a:p>
             <a:fld id="{100ED05C-71D3-764E-A828-6A477128AC85}" type="datetimeFigureOut">
               <a:rPr lang="en-US" smtClean="0"/>
-              <a:t>6/28/22</a:t>
+              <a:t>7/13/22</a:t>
             </a:fld>
             <a:endParaRPr lang="en-US"/>
           </a:p>
@@ -611,7 +611,7 @@
           <a:p>
             <a:fld id="{AC2DA135-C281-A445-BCE4-7A84076579A3}" type="datetimeFigureOut">
               <a:rPr lang="en-US" smtClean="0"/>
-              <a:t>6/28/22</a:t>
+              <a:t>7/13/22</a:t>
             </a:fld>
             <a:endParaRPr lang="en-US"/>
           </a:p>
@@ -809,7 +809,7 @@
           <a:p>
             <a:fld id="{AC2DA135-C281-A445-BCE4-7A84076579A3}" type="datetimeFigureOut">
               <a:rPr lang="en-US" smtClean="0"/>
-              <a:t>6/28/22</a:t>
+              <a:t>7/13/22</a:t>
             </a:fld>
             <a:endParaRPr lang="en-US"/>
           </a:p>
@@ -1017,7 +1017,7 @@
           <a:p>
             <a:fld id="{AC2DA135-C281-A445-BCE4-7A84076579A3}" type="datetimeFigureOut">
               <a:rPr lang="en-US" smtClean="0"/>
-              <a:t>6/28/22</a:t>
+              <a:t>7/13/22</a:t>
             </a:fld>
             <a:endParaRPr lang="en-US"/>
           </a:p>
@@ -1215,7 +1215,7 @@
           <a:p>
             <a:fld id="{AC2DA135-C281-A445-BCE4-7A84076579A3}" type="datetimeFigureOut">
               <a:rPr lang="en-US" smtClean="0"/>
-              <a:t>6/28/22</a:t>
+              <a:t>7/13/22</a:t>
             </a:fld>
             <a:endParaRPr lang="en-US"/>
           </a:p>
@@ -1490,7 +1490,7 @@
           <a:p>
             <a:fld id="{AC2DA135-C281-A445-BCE4-7A84076579A3}" type="datetimeFigureOut">
               <a:rPr lang="en-US" smtClean="0"/>
-              <a:t>6/28/22</a:t>
+              <a:t>7/13/22</a:t>
             </a:fld>
             <a:endParaRPr lang="en-US"/>
           </a:p>
@@ -1755,7 +1755,7 @@
           <a:p>
             <a:fld id="{AC2DA135-C281-A445-BCE4-7A84076579A3}" type="datetimeFigureOut">
               <a:rPr lang="en-US" smtClean="0"/>
-              <a:t>6/28/22</a:t>
+              <a:t>7/13/22</a:t>
             </a:fld>
             <a:endParaRPr lang="en-US"/>
           </a:p>
@@ -2167,7 +2167,7 @@
           <a:p>
             <a:fld id="{AC2DA135-C281-A445-BCE4-7A84076579A3}" type="datetimeFigureOut">
               <a:rPr lang="en-US" smtClean="0"/>
-              <a:t>6/28/22</a:t>
+              <a:t>7/13/22</a:t>
             </a:fld>
             <a:endParaRPr lang="en-US"/>
           </a:p>
@@ -2308,7 +2308,7 @@
           <a:p>
             <a:fld id="{AC2DA135-C281-A445-BCE4-7A84076579A3}" type="datetimeFigureOut">
               <a:rPr lang="en-US" smtClean="0"/>
-              <a:t>6/28/22</a:t>
+              <a:t>7/13/22</a:t>
             </a:fld>
             <a:endParaRPr lang="en-US"/>
           </a:p>
@@ -2421,7 +2421,7 @@
           <a:p>
             <a:fld id="{AC2DA135-C281-A445-BCE4-7A84076579A3}" type="datetimeFigureOut">
               <a:rPr lang="en-US" smtClean="0"/>
-              <a:t>6/28/22</a:t>
+              <a:t>7/13/22</a:t>
             </a:fld>
             <a:endParaRPr lang="en-US"/>
           </a:p>
@@ -2732,7 +2732,7 @@
           <a:p>
             <a:fld id="{AC2DA135-C281-A445-BCE4-7A84076579A3}" type="datetimeFigureOut">
               <a:rPr lang="en-US" smtClean="0"/>
-              <a:t>6/28/22</a:t>
+              <a:t>7/13/22</a:t>
             </a:fld>
             <a:endParaRPr lang="en-US"/>
           </a:p>
@@ -3020,7 +3020,7 @@
           <a:p>
             <a:fld id="{AC2DA135-C281-A445-BCE4-7A84076579A3}" type="datetimeFigureOut">
               <a:rPr lang="en-US" smtClean="0"/>
-              <a:t>6/28/22</a:t>
+              <a:t>7/13/22</a:t>
             </a:fld>
             <a:endParaRPr lang="en-US"/>
           </a:p>
@@ -3261,7 +3261,7 @@
           <a:p>
             <a:fld id="{AC2DA135-C281-A445-BCE4-7A84076579A3}" type="datetimeFigureOut">
               <a:rPr lang="en-US" smtClean="0"/>
-              <a:t>6/28/22</a:t>
+              <a:t>7/13/22</a:t>
             </a:fld>
             <a:endParaRPr lang="en-US"/>
           </a:p>
@@ -4089,8 +4089,8 @@
         </p:nvSpPr>
         <p:spPr>
           <a:xfrm>
-            <a:off x="2575462" y="3414697"/>
-            <a:ext cx="2945422" cy="646331"/>
+            <a:off x="2712092" y="3414697"/>
+            <a:ext cx="2752869" cy="646331"/>
           </a:xfrm>
           <a:prstGeom prst="rect">
             <a:avLst/>
@@ -4112,15 +4112,7 @@
             </a:br>
             <a:r>
               <a:rPr lang="en-US" dirty="0"/>
-              <a:t>under-</a:t>
-            </a:r>
-            <a:r>
-              <a:rPr lang="en-US" dirty="0" err="1"/>
-              <a:t>rerepresented</a:t>
-            </a:r>
-            <a:r>
-              <a:rPr lang="en-US" dirty="0"/>
-              <a:t> groups?</a:t>
+              <a:t>under-represented groups?</a:t>
             </a:r>
           </a:p>
         </p:txBody>
@@ -4139,7 +4131,7 @@
         </p:nvSpPr>
         <p:spPr>
           <a:xfrm>
-            <a:off x="2866213" y="4160203"/>
+            <a:off x="2897743" y="4160203"/>
             <a:ext cx="2556854" cy="646331"/>
           </a:xfrm>
           <a:prstGeom prst="rect">
@@ -4180,8 +4172,8 @@
         </p:nvSpPr>
         <p:spPr>
           <a:xfrm>
-            <a:off x="3135334" y="4916141"/>
-            <a:ext cx="2293320" cy="646331"/>
+            <a:off x="2557267" y="4916141"/>
+            <a:ext cx="2818720" cy="646331"/>
           </a:xfrm>
           <a:prstGeom prst="rect">
             <a:avLst/>
@@ -4196,13 +4188,13 @@
           <a:p>
             <a:r>
               <a:rPr lang="en-US" dirty="0"/>
-              <a:t>Helpful to broadening </a:t>
+              <a:t>Helpful for broadening </a:t>
             </a:r>
           </a:p>
           <a:p>
             <a:r>
               <a:rPr lang="en-US" dirty="0"/>
-              <a:t>my perspective on CS?</a:t>
+              <a:t>student perspectives on CS?</a:t>
             </a:r>
           </a:p>
         </p:txBody>
@@ -4887,6 +4879,150 @@
         <p:spPr>
           <a:xfrm>
             <a:off x="6106043" y="6112561"/>
+            <a:ext cx="369332" cy="369332"/>
+          </a:xfrm>
+          <a:prstGeom prst="rect">
+            <a:avLst/>
+          </a:prstGeom>
+        </p:spPr>
+      </p:pic>
+      <p:pic>
+        <p:nvPicPr>
+          <p:cNvPr id="2" name="Graphic 1" descr="Checkmark with solid fill">
+            <a:extLst>
+              <a:ext uri="{FF2B5EF4-FFF2-40B4-BE49-F238E27FC236}">
+                <a16:creationId xmlns:a16="http://schemas.microsoft.com/office/drawing/2014/main" id="{6CF39263-C073-41F4-2090-0B8FC98C3397}"/>
+              </a:ext>
+            </a:extLst>
+          </p:cNvPr>
+          <p:cNvPicPr>
+            <a:picLocks noChangeAspect="1"/>
+          </p:cNvPicPr>
+          <p:nvPr/>
+        </p:nvPicPr>
+        <p:blipFill>
+          <a:blip r:embed="rId2">
+            <a:extLst>
+              <a:ext uri="{96DAC541-7B7A-43D3-8B79-37D633B846F1}">
+                <asvg:svgBlip xmlns:asvg="http://schemas.microsoft.com/office/drawing/2016/SVG/main" r:embed="rId3"/>
+              </a:ext>
+            </a:extLst>
+          </a:blip>
+          <a:stretch>
+            <a:fillRect/>
+          </a:stretch>
+        </p:blipFill>
+        <p:spPr>
+          <a:xfrm>
+            <a:off x="8332781" y="5533580"/>
+            <a:ext cx="369332" cy="369332"/>
+          </a:xfrm>
+          <a:prstGeom prst="rect">
+            <a:avLst/>
+          </a:prstGeom>
+        </p:spPr>
+      </p:pic>
+      <p:pic>
+        <p:nvPicPr>
+          <p:cNvPr id="17" name="Graphic 16" descr="Checkmark with solid fill">
+            <a:extLst>
+              <a:ext uri="{FF2B5EF4-FFF2-40B4-BE49-F238E27FC236}">
+                <a16:creationId xmlns:a16="http://schemas.microsoft.com/office/drawing/2014/main" id="{356C4066-7A61-19D1-799A-934BC363DF0C}"/>
+              </a:ext>
+            </a:extLst>
+          </p:cNvPr>
+          <p:cNvPicPr>
+            <a:picLocks noChangeAspect="1"/>
+          </p:cNvPicPr>
+          <p:nvPr/>
+        </p:nvPicPr>
+        <p:blipFill>
+          <a:blip r:embed="rId2">
+            <a:extLst>
+              <a:ext uri="{96DAC541-7B7A-43D3-8B79-37D633B846F1}">
+                <asvg:svgBlip xmlns:asvg="http://schemas.microsoft.com/office/drawing/2016/SVG/main" r:embed="rId3"/>
+              </a:ext>
+            </a:extLst>
+          </a:blip>
+          <a:stretch>
+            <a:fillRect/>
+          </a:stretch>
+        </p:blipFill>
+        <p:spPr>
+          <a:xfrm>
+            <a:off x="8332781" y="6041411"/>
+            <a:ext cx="369332" cy="369332"/>
+          </a:xfrm>
+          <a:prstGeom prst="rect">
+            <a:avLst/>
+          </a:prstGeom>
+        </p:spPr>
+      </p:pic>
+      <p:pic>
+        <p:nvPicPr>
+          <p:cNvPr id="37" name="Graphic 36" descr="Checkmark with solid fill">
+            <a:extLst>
+              <a:ext uri="{FF2B5EF4-FFF2-40B4-BE49-F238E27FC236}">
+                <a16:creationId xmlns:a16="http://schemas.microsoft.com/office/drawing/2014/main" id="{9B957DC2-4FB7-B0B5-C132-02924C4C8A6C}"/>
+              </a:ext>
+            </a:extLst>
+          </p:cNvPr>
+          <p:cNvPicPr>
+            <a:picLocks noChangeAspect="1"/>
+          </p:cNvPicPr>
+          <p:nvPr/>
+        </p:nvPicPr>
+        <p:blipFill>
+          <a:blip r:embed="rId2">
+            <a:extLst>
+              <a:ext uri="{96DAC541-7B7A-43D3-8B79-37D633B846F1}">
+                <asvg:svgBlip xmlns:asvg="http://schemas.microsoft.com/office/drawing/2016/SVG/main" r:embed="rId3"/>
+              </a:ext>
+            </a:extLst>
+          </a:blip>
+          <a:stretch>
+            <a:fillRect/>
+          </a:stretch>
+        </p:blipFill>
+        <p:spPr>
+          <a:xfrm>
+            <a:off x="6160724" y="1239916"/>
+            <a:ext cx="369332" cy="369332"/>
+          </a:xfrm>
+          <a:prstGeom prst="rect">
+            <a:avLst/>
+          </a:prstGeom>
+        </p:spPr>
+      </p:pic>
+      <p:pic>
+        <p:nvPicPr>
+          <p:cNvPr id="38" name="Graphic 37" descr="Checkmark with solid fill">
+            <a:extLst>
+              <a:ext uri="{FF2B5EF4-FFF2-40B4-BE49-F238E27FC236}">
+                <a16:creationId xmlns:a16="http://schemas.microsoft.com/office/drawing/2014/main" id="{0F400BE5-2F25-21DB-8E14-24F5040175E3}"/>
+              </a:ext>
+            </a:extLst>
+          </p:cNvPr>
+          <p:cNvPicPr>
+            <a:picLocks noChangeAspect="1"/>
+          </p:cNvPicPr>
+          <p:nvPr/>
+        </p:nvPicPr>
+        <p:blipFill>
+          <a:blip r:embed="rId2">
+            <a:extLst>
+              <a:ext uri="{96DAC541-7B7A-43D3-8B79-37D633B846F1}">
+                <asvg:svgBlip xmlns:asvg="http://schemas.microsoft.com/office/drawing/2016/SVG/main" r:embed="rId3"/>
+              </a:ext>
+            </a:extLst>
+          </a:blip>
+          <a:stretch>
+            <a:fillRect/>
+          </a:stretch>
+        </p:blipFill>
+        <p:spPr>
+          <a:xfrm>
+            <a:off x="8332781" y="894122"/>
             <a:ext cx="369332" cy="369332"/>
           </a:xfrm>
           <a:prstGeom prst="rect">
